--- a/Presentation.pptx
+++ b/Presentation.pptx
@@ -6,6 +6,15 @@
   </p:sldMasterIdLst>
   <p:sldIdLst>
     <p:sldId id="256" r:id="rId2"/>
+    <p:sldId id="259" r:id="rId3"/>
+    <p:sldId id="258" r:id="rId4"/>
+    <p:sldId id="261" r:id="rId5"/>
+    <p:sldId id="260" r:id="rId6"/>
+    <p:sldId id="263" r:id="rId7"/>
+    <p:sldId id="266" r:id="rId8"/>
+    <p:sldId id="264" r:id="rId9"/>
+    <p:sldId id="265" r:id="rId10"/>
+    <p:sldId id="262" r:id="rId11"/>
   </p:sldIdLst>
   <p:sldSz cx="12192000" cy="6858000"/>
   <p:notesSz cx="6858000" cy="9144000"/>
@@ -104,6 +113,11 @@
       </a:defRPr>
     </a:lvl9pPr>
   </p:defaultTextStyle>
+  <p:extLst>
+    <p:ext uri="{EFAFB233-063F-42B5-8137-9DF3F51BA10A}">
+      <p15:sldGuideLst xmlns:p15="http://schemas.microsoft.com/office/powerpoint/2012/main"/>
+    </p:ext>
+  </p:extLst>
 </p:presentation>
 </file>
 
@@ -345,7 +359,7 @@
           <a:p>
             <a:fld id="{ED291B17-9318-49DB-B28B-6E5994AE9581}" type="datetime1">
               <a:rPr lang="en-US" smtClean="0"/>
-              <a:t>1/9/2024</a:t>
+              <a:t>1/10/2024</a:t>
             </a:fld>
             <a:endParaRPr lang="en-US" dirty="0"/>
           </a:p>
@@ -548,7 +562,7 @@
           <a:p>
             <a:fld id="{2CED4963-E985-44C4-B8C4-FDD613B7C2F8}" type="datetime1">
               <a:rPr lang="en-US" smtClean="0"/>
-              <a:t>1/9/2024</a:t>
+              <a:t>1/10/2024</a:t>
             </a:fld>
             <a:endParaRPr lang="en-US" dirty="0"/>
           </a:p>
@@ -910,7 +924,7 @@
           <a:p>
             <a:fld id="{ED291B17-9318-49DB-B28B-6E5994AE9581}" type="datetime1">
               <a:rPr lang="en-US" smtClean="0"/>
-              <a:t>1/9/2024</a:t>
+              <a:t>1/10/2024</a:t>
             </a:fld>
             <a:endParaRPr lang="en-US" dirty="0"/>
           </a:p>
@@ -1108,7 +1122,7 @@
           <a:p>
             <a:fld id="{78DD82B9-B8EE-4375-B6FF-88FA6ABB15D9}" type="datetime1">
               <a:rPr lang="en-US" smtClean="0"/>
-              <a:t>1/9/2024</a:t>
+              <a:t>1/10/2024</a:t>
             </a:fld>
             <a:endParaRPr lang="en-US" dirty="0"/>
           </a:p>
@@ -1420,7 +1434,7 @@
           <a:p>
             <a:fld id="{B2497495-0637-405E-AE64-5CC7506D51F5}" type="datetime1">
               <a:rPr lang="en-US" smtClean="0"/>
-              <a:t>1/9/2024</a:t>
+              <a:t>1/10/2024</a:t>
             </a:fld>
             <a:endParaRPr lang="en-US" dirty="0"/>
           </a:p>
@@ -1673,7 +1687,7 @@
           <a:p>
             <a:fld id="{7BFFD690-9426-415D-8B65-26881E07B2D4}" type="datetime1">
               <a:rPr lang="en-US" smtClean="0"/>
-              <a:t>1/9/2024</a:t>
+              <a:t>1/10/2024</a:t>
             </a:fld>
             <a:endParaRPr lang="en-US" dirty="0"/>
           </a:p>
@@ -2095,7 +2109,7 @@
           <a:p>
             <a:fld id="{04C4989A-474C-40DE-95B9-011C28B71673}" type="datetime1">
               <a:rPr lang="en-US" smtClean="0"/>
-              <a:t>1/9/2024</a:t>
+              <a:t>1/10/2024</a:t>
             </a:fld>
             <a:endParaRPr lang="en-US" dirty="0"/>
           </a:p>
@@ -2218,7 +2232,7 @@
           <a:p>
             <a:fld id="{5DB4ED54-5B5E-4A04-93D3-5772E3CE3818}" type="datetime1">
               <a:rPr lang="en-US" smtClean="0"/>
-              <a:t>1/9/2024</a:t>
+              <a:t>1/10/2024</a:t>
             </a:fld>
             <a:endParaRPr lang="en-US" dirty="0"/>
           </a:p>
@@ -2313,7 +2327,7 @@
           <a:p>
             <a:fld id="{4EDE50D6-574B-40AF-946F-D52A04ADE379}" type="datetime1">
               <a:rPr lang="en-US" smtClean="0"/>
-              <a:t>1/9/2024</a:t>
+              <a:t>1/10/2024</a:t>
             </a:fld>
             <a:endParaRPr lang="en-US" dirty="0"/>
           </a:p>
@@ -2690,7 +2704,7 @@
           <a:p>
             <a:fld id="{D82884F1-FFEA-405F-9602-3DCA865EDA4E}" type="datetime1">
               <a:rPr lang="en-US" smtClean="0"/>
-              <a:t>1/9/2024</a:t>
+              <a:t>1/10/2024</a:t>
             </a:fld>
             <a:endParaRPr lang="en-US" dirty="0"/>
           </a:p>
@@ -2983,7 +2997,7 @@
           <a:p>
             <a:fld id="{7E18DB4A-8810-4A10-AD5C-D5E2C667F5B3}" type="datetime1">
               <a:rPr lang="en-US" smtClean="0"/>
-              <a:t>1/9/2024</a:t>
+              <a:t>1/10/2024</a:t>
             </a:fld>
             <a:endParaRPr lang="en-US" dirty="0"/>
           </a:p>
@@ -3198,7 +3212,7 @@
           <a:p>
             <a:fld id="{ED291B17-9318-49DB-B28B-6E5994AE9581}" type="datetime1">
               <a:rPr lang="en-US" smtClean="0"/>
-              <a:t>1/9/2024</a:t>
+              <a:t>1/10/2024</a:t>
             </a:fld>
             <a:endParaRPr lang="en-US" dirty="0"/>
           </a:p>
@@ -4024,8 +4038,8 @@
         </p:nvSpPr>
         <p:spPr>
           <a:xfrm>
-            <a:off x="8109235" y="863695"/>
-            <a:ext cx="3511233" cy="3779995"/>
+            <a:off x="5975685" y="863695"/>
+            <a:ext cx="5644784" cy="3779995"/>
           </a:xfrm>
         </p:spPr>
         <p:txBody>
@@ -4034,7 +4048,17 @@
           </a:bodyPr>
           <a:lstStyle/>
           <a:p>
-            <a:endParaRPr lang="en-AU">
+            <a:r>
+              <a:rPr lang="en-US" b="0" i="0" dirty="0">
+                <a:solidFill>
+                  <a:srgbClr val="374151"/>
+                </a:solidFill>
+                <a:effectLst/>
+                <a:latin typeface="Söhne"/>
+              </a:rPr>
+              <a:t>Advanced LSTM Model for Predictive Analysis in Material Wear</a:t>
+            </a:r>
+            <a:endParaRPr lang="en-AU" dirty="0">
               <a:solidFill>
                 <a:schemeClr val="tx1"/>
               </a:solidFill>
@@ -4060,8 +4084,8 @@
         </p:nvSpPr>
         <p:spPr>
           <a:xfrm>
-            <a:off x="8109236" y="4739780"/>
-            <a:ext cx="3511233" cy="1147054"/>
+            <a:off x="5582654" y="4739780"/>
+            <a:ext cx="6037816" cy="1147054"/>
           </a:xfrm>
         </p:spPr>
         <p:txBody>
@@ -4070,7 +4094,17 @@
           </a:bodyPr>
           <a:lstStyle/>
           <a:p>
-            <a:endParaRPr lang="en-AU" sz="2000"/>
+            <a:r>
+              <a:rPr lang="en-US" sz="2400" b="0" i="0" dirty="0">
+                <a:solidFill>
+                  <a:srgbClr val="374151"/>
+                </a:solidFill>
+                <a:effectLst/>
+                <a:latin typeface="Söhne"/>
+              </a:rPr>
+              <a:t>Harnessing the Power of Machine Learning for Industrial Innovation</a:t>
+            </a:r>
+            <a:endParaRPr lang="en-AU" sz="2000" dirty="0"/>
           </a:p>
         </p:txBody>
       </p:sp>
@@ -4095,8 +4129,8 @@
         </p:blipFill>
         <p:spPr>
           <a:xfrm>
-            <a:off x="20" y="10"/>
-            <a:ext cx="7537685" cy="6857990"/>
+            <a:off x="0" y="10"/>
+            <a:ext cx="5582653" cy="6857990"/>
           </a:xfrm>
           <a:prstGeom prst="rect">
             <a:avLst/>
@@ -4173,6 +4207,1807 @@
   </p:cSld>
   <p:clrMapOvr>
     <a:overrideClrMapping bg1="dk1" tx1="lt1" bg2="dk2" tx2="lt2" accent1="accent1" accent2="accent2" accent3="accent3" accent4="accent4" accent5="accent5" accent6="accent6" hlink="hlink" folHlink="folHlink"/>
+  </p:clrMapOvr>
+</p:sld>
+</file>
+
+<file path=ppt/slides/slide10.xml><?xml version="1.0" encoding="utf-8"?>
+<p:sld xmlns:a="http://schemas.openxmlformats.org/drawingml/2006/main" xmlns:r="http://schemas.openxmlformats.org/officeDocument/2006/relationships" xmlns:p="http://schemas.openxmlformats.org/presentationml/2006/main">
+  <p:cSld>
+    <p:spTree>
+      <p:nvGrpSpPr>
+        <p:cNvPr id="1" name=""/>
+        <p:cNvGrpSpPr/>
+        <p:nvPr/>
+      </p:nvGrpSpPr>
+      <p:grpSpPr>
+        <a:xfrm>
+          <a:off x="0" y="0"/>
+          <a:ext cx="0" cy="0"/>
+          <a:chOff x="0" y="0"/>
+          <a:chExt cx="0" cy="0"/>
+        </a:xfrm>
+      </p:grpSpPr>
+      <p:sp>
+        <p:nvSpPr>
+          <p:cNvPr id="2" name="Title 1">
+            <a:extLst>
+              <a:ext uri="{FF2B5EF4-FFF2-40B4-BE49-F238E27FC236}">
+                <a16:creationId xmlns:a16="http://schemas.microsoft.com/office/drawing/2014/main" id="{9977848A-BBBE-25F5-0757-0D1D708A9B64}"/>
+              </a:ext>
+            </a:extLst>
+          </p:cNvPr>
+          <p:cNvSpPr>
+            <a:spLocks noGrp="1"/>
+          </p:cNvSpPr>
+          <p:nvPr>
+            <p:ph type="title"/>
+          </p:nvPr>
+        </p:nvSpPr>
+        <p:spPr/>
+        <p:txBody>
+          <a:bodyPr/>
+          <a:lstStyle/>
+          <a:p>
+            <a:r>
+              <a:rPr lang="en-AU" b="1" i="0" dirty="0">
+                <a:effectLst/>
+                <a:latin typeface="Söhne"/>
+              </a:rPr>
+              <a:t>Conclusion</a:t>
+            </a:r>
+            <a:br>
+              <a:rPr lang="en-AU" b="1" i="0" dirty="0">
+                <a:effectLst/>
+                <a:latin typeface="Söhne"/>
+              </a:rPr>
+            </a:br>
+            <a:endParaRPr lang="en-AU" dirty="0"/>
+          </a:p>
+        </p:txBody>
+      </p:sp>
+      <p:sp>
+        <p:nvSpPr>
+          <p:cNvPr id="3" name="Content Placeholder 2">
+            <a:extLst>
+              <a:ext uri="{FF2B5EF4-FFF2-40B4-BE49-F238E27FC236}">
+                <a16:creationId xmlns:a16="http://schemas.microsoft.com/office/drawing/2014/main" id="{A88BF325-8B5E-6D0F-9BB9-2EA070F6F24A}"/>
+              </a:ext>
+            </a:extLst>
+          </p:cNvPr>
+          <p:cNvSpPr>
+            <a:spLocks noGrp="1"/>
+          </p:cNvSpPr>
+          <p:nvPr>
+            <p:ph idx="1"/>
+          </p:nvPr>
+        </p:nvSpPr>
+        <p:spPr/>
+        <p:txBody>
+          <a:bodyPr/>
+          <a:lstStyle/>
+          <a:p>
+            <a:pPr algn="l">
+              <a:buFont typeface="Arial" panose="020B0604020202020204" pitchFamily="34" charset="0"/>
+              <a:buChar char="•"/>
+            </a:pPr>
+            <a:r>
+              <a:rPr lang="en-US" b="1" i="0" dirty="0">
+                <a:solidFill>
+                  <a:srgbClr val="374151"/>
+                </a:solidFill>
+                <a:effectLst/>
+                <a:latin typeface="Söhne"/>
+              </a:rPr>
+              <a:t>Summary</a:t>
+            </a:r>
+            <a:r>
+              <a:rPr lang="en-US" b="0" i="0" dirty="0">
+                <a:solidFill>
+                  <a:srgbClr val="374151"/>
+                </a:solidFill>
+                <a:effectLst/>
+                <a:latin typeface="Söhne"/>
+              </a:rPr>
+              <a:t>: Recap of the project's objectives, methods, and outcomes.</a:t>
+            </a:r>
+          </a:p>
+          <a:p>
+            <a:pPr algn="l">
+              <a:buFont typeface="Arial" panose="020B0604020202020204" pitchFamily="34" charset="0"/>
+              <a:buChar char="•"/>
+            </a:pPr>
+            <a:r>
+              <a:rPr lang="en-US" b="1" i="0" dirty="0">
+                <a:solidFill>
+                  <a:srgbClr val="374151"/>
+                </a:solidFill>
+                <a:effectLst/>
+                <a:latin typeface="Söhne"/>
+              </a:rPr>
+              <a:t>Learnings</a:t>
+            </a:r>
+            <a:r>
+              <a:rPr lang="en-US" b="0" i="0" dirty="0">
+                <a:solidFill>
+                  <a:srgbClr val="374151"/>
+                </a:solidFill>
+                <a:effectLst/>
+                <a:latin typeface="Söhne"/>
+              </a:rPr>
+              <a:t>: Insights gained and challenges encountered.</a:t>
+            </a:r>
+          </a:p>
+          <a:p>
+            <a:pPr algn="l">
+              <a:buFont typeface="Arial" panose="020B0604020202020204" pitchFamily="34" charset="0"/>
+              <a:buChar char="•"/>
+            </a:pPr>
+            <a:r>
+              <a:rPr lang="en-US" b="1" i="0" dirty="0">
+                <a:solidFill>
+                  <a:srgbClr val="374151"/>
+                </a:solidFill>
+                <a:effectLst/>
+                <a:latin typeface="Söhne"/>
+              </a:rPr>
+              <a:t>Next Steps</a:t>
+            </a:r>
+            <a:r>
+              <a:rPr lang="en-US" b="0" i="0" dirty="0">
+                <a:solidFill>
+                  <a:srgbClr val="374151"/>
+                </a:solidFill>
+                <a:effectLst/>
+                <a:latin typeface="Söhne"/>
+              </a:rPr>
+              <a:t>: Future directions for research and development.</a:t>
+            </a:r>
+          </a:p>
+          <a:p>
+            <a:endParaRPr lang="en-AU" dirty="0"/>
+          </a:p>
+        </p:txBody>
+      </p:sp>
+      <p:sp>
+        <p:nvSpPr>
+          <p:cNvPr id="4" name="Text Placeholder 3">
+            <a:extLst>
+              <a:ext uri="{FF2B5EF4-FFF2-40B4-BE49-F238E27FC236}">
+                <a16:creationId xmlns:a16="http://schemas.microsoft.com/office/drawing/2014/main" id="{98994930-775E-8DDE-AD46-F73AB2210F9C}"/>
+              </a:ext>
+            </a:extLst>
+          </p:cNvPr>
+          <p:cNvSpPr>
+            <a:spLocks noGrp="1"/>
+          </p:cNvSpPr>
+          <p:nvPr>
+            <p:ph type="body" sz="half" idx="2"/>
+          </p:nvPr>
+        </p:nvSpPr>
+        <p:spPr/>
+        <p:txBody>
+          <a:bodyPr/>
+          <a:lstStyle/>
+          <a:p>
+            <a:endParaRPr lang="en-AU"/>
+          </a:p>
+        </p:txBody>
+      </p:sp>
+    </p:spTree>
+    <p:extLst>
+      <p:ext uri="{BB962C8B-B14F-4D97-AF65-F5344CB8AC3E}">
+        <p14:creationId xmlns:p14="http://schemas.microsoft.com/office/powerpoint/2010/main" val="345655266"/>
+      </p:ext>
+    </p:extLst>
+  </p:cSld>
+  <p:clrMapOvr>
+    <a:masterClrMapping/>
+  </p:clrMapOvr>
+</p:sld>
+</file>
+
+<file path=ppt/slides/slide2.xml><?xml version="1.0" encoding="utf-8"?>
+<p:sld xmlns:a="http://schemas.openxmlformats.org/drawingml/2006/main" xmlns:r="http://schemas.openxmlformats.org/officeDocument/2006/relationships" xmlns:p="http://schemas.openxmlformats.org/presentationml/2006/main">
+  <p:cSld>
+    <p:spTree>
+      <p:nvGrpSpPr>
+        <p:cNvPr id="1" name=""/>
+        <p:cNvGrpSpPr/>
+        <p:nvPr/>
+      </p:nvGrpSpPr>
+      <p:grpSpPr>
+        <a:xfrm>
+          <a:off x="0" y="0"/>
+          <a:ext cx="0" cy="0"/>
+          <a:chOff x="0" y="0"/>
+          <a:chExt cx="0" cy="0"/>
+        </a:xfrm>
+      </p:grpSpPr>
+      <p:sp>
+        <p:nvSpPr>
+          <p:cNvPr id="2" name="Title 1">
+            <a:extLst>
+              <a:ext uri="{FF2B5EF4-FFF2-40B4-BE49-F238E27FC236}">
+                <a16:creationId xmlns:a16="http://schemas.microsoft.com/office/drawing/2014/main" id="{9977848A-BBBE-25F5-0757-0D1D708A9B64}"/>
+              </a:ext>
+            </a:extLst>
+          </p:cNvPr>
+          <p:cNvSpPr>
+            <a:spLocks noGrp="1"/>
+          </p:cNvSpPr>
+          <p:nvPr>
+            <p:ph type="title"/>
+          </p:nvPr>
+        </p:nvSpPr>
+        <p:spPr/>
+        <p:txBody>
+          <a:bodyPr/>
+          <a:lstStyle/>
+          <a:p>
+            <a:r>
+              <a:rPr lang="en-AU" b="1" i="0" dirty="0">
+                <a:effectLst/>
+                <a:latin typeface="Söhne"/>
+              </a:rPr>
+              <a:t>Introduction</a:t>
+            </a:r>
+            <a:br>
+              <a:rPr lang="en-AU" b="1" i="0" dirty="0">
+                <a:effectLst/>
+                <a:latin typeface="Söhne"/>
+              </a:rPr>
+            </a:br>
+            <a:endParaRPr lang="en-AU" dirty="0"/>
+          </a:p>
+        </p:txBody>
+      </p:sp>
+      <p:sp>
+        <p:nvSpPr>
+          <p:cNvPr id="3" name="Content Placeholder 2">
+            <a:extLst>
+              <a:ext uri="{FF2B5EF4-FFF2-40B4-BE49-F238E27FC236}">
+                <a16:creationId xmlns:a16="http://schemas.microsoft.com/office/drawing/2014/main" id="{A88BF325-8B5E-6D0F-9BB9-2EA070F6F24A}"/>
+              </a:ext>
+            </a:extLst>
+          </p:cNvPr>
+          <p:cNvSpPr>
+            <a:spLocks noGrp="1"/>
+          </p:cNvSpPr>
+          <p:nvPr>
+            <p:ph idx="1"/>
+          </p:nvPr>
+        </p:nvSpPr>
+        <p:spPr/>
+        <p:txBody>
+          <a:bodyPr/>
+          <a:lstStyle/>
+          <a:p>
+            <a:pPr algn="l">
+              <a:buFont typeface="Arial" panose="020B0604020202020204" pitchFamily="34" charset="0"/>
+              <a:buChar char="•"/>
+            </a:pPr>
+            <a:r>
+              <a:rPr lang="en-US" b="1" i="0" dirty="0">
+                <a:solidFill>
+                  <a:srgbClr val="374151"/>
+                </a:solidFill>
+                <a:effectLst/>
+                <a:latin typeface="Söhne"/>
+              </a:rPr>
+              <a:t>Objective</a:t>
+            </a:r>
+            <a:r>
+              <a:rPr lang="en-US" b="0" i="0" dirty="0">
+                <a:solidFill>
+                  <a:srgbClr val="374151"/>
+                </a:solidFill>
+                <a:effectLst/>
+                <a:latin typeface="Söhne"/>
+              </a:rPr>
+              <a:t>: To develop a robust LSTM-based machine learning model capable of predicting material wear stages from historical data.</a:t>
+            </a:r>
+          </a:p>
+          <a:p>
+            <a:pPr algn="l">
+              <a:buFont typeface="Arial" panose="020B0604020202020204" pitchFamily="34" charset="0"/>
+              <a:buChar char="•"/>
+            </a:pPr>
+            <a:r>
+              <a:rPr lang="en-US" b="1" i="0" dirty="0">
+                <a:solidFill>
+                  <a:srgbClr val="374151"/>
+                </a:solidFill>
+                <a:effectLst/>
+                <a:latin typeface="Söhne"/>
+              </a:rPr>
+              <a:t>Scope</a:t>
+            </a:r>
+            <a:r>
+              <a:rPr lang="en-US" b="0" i="0" dirty="0">
+                <a:solidFill>
+                  <a:srgbClr val="374151"/>
+                </a:solidFill>
+                <a:effectLst/>
+                <a:latin typeface="Söhne"/>
+              </a:rPr>
+              <a:t>: Enhance maintenance strategies in industrial and manufacturing sectors.</a:t>
+            </a:r>
+          </a:p>
+          <a:p>
+            <a:pPr algn="l">
+              <a:buFont typeface="Arial" panose="020B0604020202020204" pitchFamily="34" charset="0"/>
+              <a:buChar char="•"/>
+            </a:pPr>
+            <a:r>
+              <a:rPr lang="en-US" b="1" i="0" dirty="0">
+                <a:solidFill>
+                  <a:srgbClr val="374151"/>
+                </a:solidFill>
+                <a:effectLst/>
+                <a:latin typeface="Söhne"/>
+              </a:rPr>
+              <a:t>Benefits</a:t>
+            </a:r>
+            <a:r>
+              <a:rPr lang="en-US" b="0" i="0" dirty="0">
+                <a:solidFill>
+                  <a:srgbClr val="374151"/>
+                </a:solidFill>
+                <a:effectLst/>
+                <a:latin typeface="Söhne"/>
+              </a:rPr>
+              <a:t>: Improved predictive accuracy, cost efficiency, and proactive maintenance planning.</a:t>
+            </a:r>
+          </a:p>
+          <a:p>
+            <a:endParaRPr lang="en-AU" dirty="0"/>
+          </a:p>
+        </p:txBody>
+      </p:sp>
+      <p:sp>
+        <p:nvSpPr>
+          <p:cNvPr id="4" name="Text Placeholder 3">
+            <a:extLst>
+              <a:ext uri="{FF2B5EF4-FFF2-40B4-BE49-F238E27FC236}">
+                <a16:creationId xmlns:a16="http://schemas.microsoft.com/office/drawing/2014/main" id="{98994930-775E-8DDE-AD46-F73AB2210F9C}"/>
+              </a:ext>
+            </a:extLst>
+          </p:cNvPr>
+          <p:cNvSpPr>
+            <a:spLocks noGrp="1"/>
+          </p:cNvSpPr>
+          <p:nvPr>
+            <p:ph type="body" sz="half" idx="2"/>
+          </p:nvPr>
+        </p:nvSpPr>
+        <p:spPr/>
+        <p:txBody>
+          <a:bodyPr/>
+          <a:lstStyle/>
+          <a:p>
+            <a:endParaRPr lang="en-AU"/>
+          </a:p>
+        </p:txBody>
+      </p:sp>
+    </p:spTree>
+    <p:extLst>
+      <p:ext uri="{BB962C8B-B14F-4D97-AF65-F5344CB8AC3E}">
+        <p14:creationId xmlns:p14="http://schemas.microsoft.com/office/powerpoint/2010/main" val="1554094120"/>
+      </p:ext>
+    </p:extLst>
+  </p:cSld>
+  <p:clrMapOvr>
+    <a:masterClrMapping/>
+  </p:clrMapOvr>
+</p:sld>
+</file>
+
+<file path=ppt/slides/slide3.xml><?xml version="1.0" encoding="utf-8"?>
+<p:sld xmlns:a="http://schemas.openxmlformats.org/drawingml/2006/main" xmlns:r="http://schemas.openxmlformats.org/officeDocument/2006/relationships" xmlns:p="http://schemas.openxmlformats.org/presentationml/2006/main">
+  <p:cSld>
+    <p:spTree>
+      <p:nvGrpSpPr>
+        <p:cNvPr id="1" name=""/>
+        <p:cNvGrpSpPr/>
+        <p:nvPr/>
+      </p:nvGrpSpPr>
+      <p:grpSpPr>
+        <a:xfrm>
+          <a:off x="0" y="0"/>
+          <a:ext cx="0" cy="0"/>
+          <a:chOff x="0" y="0"/>
+          <a:chExt cx="0" cy="0"/>
+        </a:xfrm>
+      </p:grpSpPr>
+      <p:sp>
+        <p:nvSpPr>
+          <p:cNvPr id="2" name="Title 1">
+            <a:extLst>
+              <a:ext uri="{FF2B5EF4-FFF2-40B4-BE49-F238E27FC236}">
+                <a16:creationId xmlns:a16="http://schemas.microsoft.com/office/drawing/2014/main" id="{9977848A-BBBE-25F5-0757-0D1D708A9B64}"/>
+              </a:ext>
+            </a:extLst>
+          </p:cNvPr>
+          <p:cNvSpPr>
+            <a:spLocks noGrp="1"/>
+          </p:cNvSpPr>
+          <p:nvPr>
+            <p:ph type="title"/>
+          </p:nvPr>
+        </p:nvSpPr>
+        <p:spPr/>
+        <p:txBody>
+          <a:bodyPr/>
+          <a:lstStyle/>
+          <a:p>
+            <a:r>
+              <a:rPr lang="en-AU" b="1" i="0" dirty="0">
+                <a:effectLst/>
+                <a:latin typeface="Söhne"/>
+              </a:rPr>
+              <a:t>Data Generation and Simulation</a:t>
+            </a:r>
+            <a:br>
+              <a:rPr lang="en-AU" b="1" i="0" dirty="0">
+                <a:effectLst/>
+                <a:latin typeface="Söhne"/>
+              </a:rPr>
+            </a:br>
+            <a:endParaRPr lang="en-AU" dirty="0"/>
+          </a:p>
+        </p:txBody>
+      </p:sp>
+      <p:sp>
+        <p:nvSpPr>
+          <p:cNvPr id="3" name="Content Placeholder 2">
+            <a:extLst>
+              <a:ext uri="{FF2B5EF4-FFF2-40B4-BE49-F238E27FC236}">
+                <a16:creationId xmlns:a16="http://schemas.microsoft.com/office/drawing/2014/main" id="{A88BF325-8B5E-6D0F-9BB9-2EA070F6F24A}"/>
+              </a:ext>
+            </a:extLst>
+          </p:cNvPr>
+          <p:cNvSpPr>
+            <a:spLocks noGrp="1"/>
+          </p:cNvSpPr>
+          <p:nvPr>
+            <p:ph idx="1"/>
+          </p:nvPr>
+        </p:nvSpPr>
+        <p:spPr/>
+        <p:txBody>
+          <a:bodyPr/>
+          <a:lstStyle/>
+          <a:p>
+            <a:pPr algn="l">
+              <a:buFont typeface="Arial" panose="020B0604020202020204" pitchFamily="34" charset="0"/>
+              <a:buChar char="•"/>
+            </a:pPr>
+            <a:r>
+              <a:rPr lang="en-US" b="1" i="0" dirty="0">
+                <a:solidFill>
+                  <a:srgbClr val="374151"/>
+                </a:solidFill>
+                <a:effectLst/>
+                <a:latin typeface="Söhne"/>
+              </a:rPr>
+              <a:t>Synthetic Data Creation</a:t>
+            </a:r>
+            <a:r>
+              <a:rPr lang="en-US" b="0" i="0" dirty="0">
+                <a:solidFill>
+                  <a:srgbClr val="374151"/>
+                </a:solidFill>
+                <a:effectLst/>
+                <a:latin typeface="Söhne"/>
+              </a:rPr>
+              <a:t>: Utilization of controlled data simulating 'Length', 'Date', 'Diameter', 'Degree', and 'Thickness'.</a:t>
+            </a:r>
+          </a:p>
+          <a:p>
+            <a:pPr algn="l">
+              <a:buFont typeface="Arial" panose="020B0604020202020204" pitchFamily="34" charset="0"/>
+              <a:buChar char="•"/>
+            </a:pPr>
+            <a:r>
+              <a:rPr lang="en-US" b="1" i="0" dirty="0">
+                <a:solidFill>
+                  <a:srgbClr val="374151"/>
+                </a:solidFill>
+                <a:effectLst/>
+                <a:latin typeface="Söhne"/>
+              </a:rPr>
+              <a:t>Simulated Wear Conditions</a:t>
+            </a:r>
+            <a:r>
+              <a:rPr lang="en-US" b="0" i="0" dirty="0">
+                <a:solidFill>
+                  <a:srgbClr val="374151"/>
+                </a:solidFill>
+                <a:effectLst/>
+                <a:latin typeface="Söhne"/>
+              </a:rPr>
+              <a:t>: Application of yearly thickness reduction parameters to mirror real-world material degradation.</a:t>
+            </a:r>
+          </a:p>
+          <a:p>
+            <a:endParaRPr lang="en-AU" dirty="0"/>
+          </a:p>
+        </p:txBody>
+      </p:sp>
+      <p:sp>
+        <p:nvSpPr>
+          <p:cNvPr id="4" name="Text Placeholder 3">
+            <a:extLst>
+              <a:ext uri="{FF2B5EF4-FFF2-40B4-BE49-F238E27FC236}">
+                <a16:creationId xmlns:a16="http://schemas.microsoft.com/office/drawing/2014/main" id="{98994930-775E-8DDE-AD46-F73AB2210F9C}"/>
+              </a:ext>
+            </a:extLst>
+          </p:cNvPr>
+          <p:cNvSpPr>
+            <a:spLocks noGrp="1"/>
+          </p:cNvSpPr>
+          <p:nvPr>
+            <p:ph type="body" sz="half" idx="2"/>
+          </p:nvPr>
+        </p:nvSpPr>
+        <p:spPr/>
+        <p:txBody>
+          <a:bodyPr/>
+          <a:lstStyle/>
+          <a:p>
+            <a:endParaRPr lang="en-AU"/>
+          </a:p>
+        </p:txBody>
+      </p:sp>
+    </p:spTree>
+    <p:extLst>
+      <p:ext uri="{BB962C8B-B14F-4D97-AF65-F5344CB8AC3E}">
+        <p14:creationId xmlns:p14="http://schemas.microsoft.com/office/powerpoint/2010/main" val="2191412214"/>
+      </p:ext>
+    </p:extLst>
+  </p:cSld>
+  <p:clrMapOvr>
+    <a:masterClrMapping/>
+  </p:clrMapOvr>
+</p:sld>
+</file>
+
+<file path=ppt/slides/slide4.xml><?xml version="1.0" encoding="utf-8"?>
+<p:sld xmlns:a="http://schemas.openxmlformats.org/drawingml/2006/main" xmlns:r="http://schemas.openxmlformats.org/officeDocument/2006/relationships" xmlns:p="http://schemas.openxmlformats.org/presentationml/2006/main">
+  <p:cSld>
+    <p:spTree>
+      <p:nvGrpSpPr>
+        <p:cNvPr id="1" name=""/>
+        <p:cNvGrpSpPr/>
+        <p:nvPr/>
+      </p:nvGrpSpPr>
+      <p:grpSpPr>
+        <a:xfrm>
+          <a:off x="0" y="0"/>
+          <a:ext cx="0" cy="0"/>
+          <a:chOff x="0" y="0"/>
+          <a:chExt cx="0" cy="0"/>
+        </a:xfrm>
+      </p:grpSpPr>
+      <p:sp>
+        <p:nvSpPr>
+          <p:cNvPr id="2" name="Title 1">
+            <a:extLst>
+              <a:ext uri="{FF2B5EF4-FFF2-40B4-BE49-F238E27FC236}">
+                <a16:creationId xmlns:a16="http://schemas.microsoft.com/office/drawing/2014/main" id="{9977848A-BBBE-25F5-0757-0D1D708A9B64}"/>
+              </a:ext>
+            </a:extLst>
+          </p:cNvPr>
+          <p:cNvSpPr>
+            <a:spLocks noGrp="1"/>
+          </p:cNvSpPr>
+          <p:nvPr>
+            <p:ph type="title"/>
+          </p:nvPr>
+        </p:nvSpPr>
+        <p:spPr/>
+        <p:txBody>
+          <a:bodyPr/>
+          <a:lstStyle/>
+          <a:p>
+            <a:r>
+              <a:rPr lang="en-AU" b="1" i="0" dirty="0">
+                <a:effectLst/>
+                <a:latin typeface="Söhne"/>
+              </a:rPr>
+              <a:t>Exploratory Data Analysis</a:t>
+            </a:r>
+            <a:br>
+              <a:rPr lang="en-AU" b="1" i="0" dirty="0">
+                <a:effectLst/>
+                <a:latin typeface="Söhne"/>
+              </a:rPr>
+            </a:br>
+            <a:endParaRPr lang="en-AU" dirty="0"/>
+          </a:p>
+        </p:txBody>
+      </p:sp>
+      <p:sp>
+        <p:nvSpPr>
+          <p:cNvPr id="3" name="Content Placeholder 2">
+            <a:extLst>
+              <a:ext uri="{FF2B5EF4-FFF2-40B4-BE49-F238E27FC236}">
+                <a16:creationId xmlns:a16="http://schemas.microsoft.com/office/drawing/2014/main" id="{A88BF325-8B5E-6D0F-9BB9-2EA070F6F24A}"/>
+              </a:ext>
+            </a:extLst>
+          </p:cNvPr>
+          <p:cNvSpPr>
+            <a:spLocks noGrp="1"/>
+          </p:cNvSpPr>
+          <p:nvPr>
+            <p:ph idx="1"/>
+          </p:nvPr>
+        </p:nvSpPr>
+        <p:spPr/>
+        <p:txBody>
+          <a:bodyPr/>
+          <a:lstStyle/>
+          <a:p>
+            <a:pPr algn="l">
+              <a:buFont typeface="Arial" panose="020B0604020202020204" pitchFamily="34" charset="0"/>
+              <a:buChar char="•"/>
+            </a:pPr>
+            <a:r>
+              <a:rPr lang="en-AU" b="1" i="0" dirty="0">
+                <a:solidFill>
+                  <a:srgbClr val="374151"/>
+                </a:solidFill>
+                <a:effectLst/>
+                <a:latin typeface="Söhne"/>
+              </a:rPr>
+              <a:t>Tools Used</a:t>
+            </a:r>
+            <a:r>
+              <a:rPr lang="en-AU" b="0" i="0" dirty="0">
+                <a:solidFill>
+                  <a:srgbClr val="374151"/>
+                </a:solidFill>
+                <a:effectLst/>
+                <a:latin typeface="Söhne"/>
+              </a:rPr>
+              <a:t>: Python (Pandas, </a:t>
+            </a:r>
+            <a:r>
+              <a:rPr lang="en-AU" b="0" i="0" dirty="0" err="1">
+                <a:solidFill>
+                  <a:srgbClr val="374151"/>
+                </a:solidFill>
+                <a:effectLst/>
+                <a:latin typeface="Söhne"/>
+              </a:rPr>
+              <a:t>Numpy</a:t>
+            </a:r>
+            <a:r>
+              <a:rPr lang="en-AU" b="0" i="0" dirty="0">
+                <a:solidFill>
+                  <a:srgbClr val="374151"/>
+                </a:solidFill>
+                <a:effectLst/>
+                <a:latin typeface="Söhne"/>
+              </a:rPr>
+              <a:t>, Seaborn, </a:t>
+            </a:r>
+            <a:r>
+              <a:rPr lang="en-AU" b="0" i="0" dirty="0" err="1">
+                <a:solidFill>
+                  <a:srgbClr val="374151"/>
+                </a:solidFill>
+                <a:effectLst/>
+                <a:latin typeface="Söhne"/>
+              </a:rPr>
+              <a:t>Plotly</a:t>
+            </a:r>
+            <a:r>
+              <a:rPr lang="en-AU" b="0" i="0" dirty="0">
+                <a:solidFill>
+                  <a:srgbClr val="374151"/>
+                </a:solidFill>
+                <a:effectLst/>
+                <a:latin typeface="Söhne"/>
+              </a:rPr>
+              <a:t>), Spark.</a:t>
+            </a:r>
+          </a:p>
+          <a:p>
+            <a:pPr algn="l">
+              <a:buFont typeface="Arial" panose="020B0604020202020204" pitchFamily="34" charset="0"/>
+              <a:buChar char="•"/>
+            </a:pPr>
+            <a:r>
+              <a:rPr lang="en-AU" b="1" i="0" dirty="0">
+                <a:solidFill>
+                  <a:srgbClr val="374151"/>
+                </a:solidFill>
+                <a:effectLst/>
+                <a:latin typeface="Söhne"/>
+              </a:rPr>
+              <a:t>Data Insights</a:t>
+            </a:r>
+            <a:r>
+              <a:rPr lang="en-AU" b="0" i="0" dirty="0">
+                <a:solidFill>
+                  <a:srgbClr val="374151"/>
+                </a:solidFill>
+                <a:effectLst/>
+                <a:latin typeface="Söhne"/>
+              </a:rPr>
+              <a:t>: Descriptive statistics, distribution analysis, and time-series analysis for understanding data characteristics.</a:t>
+            </a:r>
+          </a:p>
+          <a:p>
+            <a:pPr algn="l">
+              <a:buFont typeface="Arial" panose="020B0604020202020204" pitchFamily="34" charset="0"/>
+              <a:buChar char="•"/>
+            </a:pPr>
+            <a:r>
+              <a:rPr lang="en-AU" b="1" i="0" dirty="0">
+                <a:solidFill>
+                  <a:srgbClr val="374151"/>
+                </a:solidFill>
+                <a:effectLst/>
+                <a:latin typeface="Söhne"/>
+              </a:rPr>
+              <a:t>Visualizations</a:t>
+            </a:r>
+            <a:r>
+              <a:rPr lang="en-AU" b="0" i="0" dirty="0">
+                <a:solidFill>
+                  <a:srgbClr val="374151"/>
+                </a:solidFill>
+                <a:effectLst/>
+                <a:latin typeface="Söhne"/>
+              </a:rPr>
+              <a:t>: Histograms, scatter plots, and time series plots for in-depth data comprehension.</a:t>
+            </a:r>
+          </a:p>
+          <a:p>
+            <a:endParaRPr lang="en-AU" dirty="0"/>
+          </a:p>
+        </p:txBody>
+      </p:sp>
+      <p:sp>
+        <p:nvSpPr>
+          <p:cNvPr id="4" name="Text Placeholder 3">
+            <a:extLst>
+              <a:ext uri="{FF2B5EF4-FFF2-40B4-BE49-F238E27FC236}">
+                <a16:creationId xmlns:a16="http://schemas.microsoft.com/office/drawing/2014/main" id="{98994930-775E-8DDE-AD46-F73AB2210F9C}"/>
+              </a:ext>
+            </a:extLst>
+          </p:cNvPr>
+          <p:cNvSpPr>
+            <a:spLocks noGrp="1"/>
+          </p:cNvSpPr>
+          <p:nvPr>
+            <p:ph type="body" sz="half" idx="2"/>
+          </p:nvPr>
+        </p:nvSpPr>
+        <p:spPr/>
+        <p:txBody>
+          <a:bodyPr/>
+          <a:lstStyle/>
+          <a:p>
+            <a:endParaRPr lang="en-AU"/>
+          </a:p>
+        </p:txBody>
+      </p:sp>
+    </p:spTree>
+    <p:extLst>
+      <p:ext uri="{BB962C8B-B14F-4D97-AF65-F5344CB8AC3E}">
+        <p14:creationId xmlns:p14="http://schemas.microsoft.com/office/powerpoint/2010/main" val="602622198"/>
+      </p:ext>
+    </p:extLst>
+  </p:cSld>
+  <p:clrMapOvr>
+    <a:masterClrMapping/>
+  </p:clrMapOvr>
+</p:sld>
+</file>
+
+<file path=ppt/slides/slide5.xml><?xml version="1.0" encoding="utf-8"?>
+<p:sld xmlns:a="http://schemas.openxmlformats.org/drawingml/2006/main" xmlns:r="http://schemas.openxmlformats.org/officeDocument/2006/relationships" xmlns:p="http://schemas.openxmlformats.org/presentationml/2006/main">
+  <p:cSld>
+    <p:spTree>
+      <p:nvGrpSpPr>
+        <p:cNvPr id="1" name=""/>
+        <p:cNvGrpSpPr/>
+        <p:nvPr/>
+      </p:nvGrpSpPr>
+      <p:grpSpPr>
+        <a:xfrm>
+          <a:off x="0" y="0"/>
+          <a:ext cx="0" cy="0"/>
+          <a:chOff x="0" y="0"/>
+          <a:chExt cx="0" cy="0"/>
+        </a:xfrm>
+      </p:grpSpPr>
+      <p:sp>
+        <p:nvSpPr>
+          <p:cNvPr id="2" name="Title 1">
+            <a:extLst>
+              <a:ext uri="{FF2B5EF4-FFF2-40B4-BE49-F238E27FC236}">
+                <a16:creationId xmlns:a16="http://schemas.microsoft.com/office/drawing/2014/main" id="{9977848A-BBBE-25F5-0757-0D1D708A9B64}"/>
+              </a:ext>
+            </a:extLst>
+          </p:cNvPr>
+          <p:cNvSpPr>
+            <a:spLocks noGrp="1"/>
+          </p:cNvSpPr>
+          <p:nvPr>
+            <p:ph type="title"/>
+          </p:nvPr>
+        </p:nvSpPr>
+        <p:spPr/>
+        <p:txBody>
+          <a:bodyPr/>
+          <a:lstStyle/>
+          <a:p>
+            <a:r>
+              <a:rPr lang="en-AU" b="1" i="0" dirty="0">
+                <a:effectLst/>
+                <a:latin typeface="Söhne"/>
+              </a:rPr>
+              <a:t>Data Preprocessing</a:t>
+            </a:r>
+            <a:br>
+              <a:rPr lang="en-AU" b="1" i="0" dirty="0">
+                <a:effectLst/>
+                <a:latin typeface="Söhne"/>
+              </a:rPr>
+            </a:br>
+            <a:br>
+              <a:rPr lang="en-AU" b="0" i="0" dirty="0">
+                <a:solidFill>
+                  <a:srgbClr val="374151"/>
+                </a:solidFill>
+                <a:effectLst/>
+                <a:latin typeface="Söhne"/>
+              </a:rPr>
+            </a:br>
+            <a:endParaRPr lang="en-AU" dirty="0"/>
+          </a:p>
+        </p:txBody>
+      </p:sp>
+      <p:sp>
+        <p:nvSpPr>
+          <p:cNvPr id="3" name="Content Placeholder 2">
+            <a:extLst>
+              <a:ext uri="{FF2B5EF4-FFF2-40B4-BE49-F238E27FC236}">
+                <a16:creationId xmlns:a16="http://schemas.microsoft.com/office/drawing/2014/main" id="{A88BF325-8B5E-6D0F-9BB9-2EA070F6F24A}"/>
+              </a:ext>
+            </a:extLst>
+          </p:cNvPr>
+          <p:cNvSpPr>
+            <a:spLocks noGrp="1"/>
+          </p:cNvSpPr>
+          <p:nvPr>
+            <p:ph idx="1"/>
+          </p:nvPr>
+        </p:nvSpPr>
+        <p:spPr/>
+        <p:txBody>
+          <a:bodyPr/>
+          <a:lstStyle/>
+          <a:p>
+            <a:pPr algn="l">
+              <a:buFont typeface="Arial" panose="020B0604020202020204" pitchFamily="34" charset="0"/>
+              <a:buChar char="•"/>
+            </a:pPr>
+            <a:r>
+              <a:rPr lang="en-US" b="1" i="0" dirty="0">
+                <a:solidFill>
+                  <a:srgbClr val="374151"/>
+                </a:solidFill>
+                <a:effectLst/>
+                <a:latin typeface="Söhne"/>
+              </a:rPr>
+              <a:t>Data Cleaning and Normalization</a:t>
+            </a:r>
+            <a:r>
+              <a:rPr lang="en-US" b="0" i="0" dirty="0">
+                <a:solidFill>
+                  <a:srgbClr val="374151"/>
+                </a:solidFill>
+                <a:effectLst/>
+                <a:latin typeface="Söhne"/>
+              </a:rPr>
+              <a:t>: Using Python Pandas and Scikit-</a:t>
+            </a:r>
+            <a:r>
+              <a:rPr lang="en-US" b="0" i="0" dirty="0" err="1">
+                <a:solidFill>
+                  <a:srgbClr val="374151"/>
+                </a:solidFill>
+                <a:effectLst/>
+                <a:latin typeface="Söhne"/>
+              </a:rPr>
+              <a:t>learn's</a:t>
+            </a:r>
+            <a:r>
+              <a:rPr lang="en-US" b="0" i="0" dirty="0">
+                <a:solidFill>
+                  <a:srgbClr val="374151"/>
+                </a:solidFill>
+                <a:effectLst/>
+                <a:latin typeface="Söhne"/>
+              </a:rPr>
+              <a:t> </a:t>
+            </a:r>
+            <a:r>
+              <a:rPr lang="en-US" b="0" i="0" dirty="0" err="1">
+                <a:solidFill>
+                  <a:srgbClr val="374151"/>
+                </a:solidFill>
+                <a:effectLst/>
+                <a:latin typeface="Söhne"/>
+              </a:rPr>
+              <a:t>MinMaxScaler</a:t>
+            </a:r>
+            <a:r>
+              <a:rPr lang="en-US" b="0" i="0" dirty="0">
+                <a:solidFill>
+                  <a:srgbClr val="374151"/>
+                </a:solidFill>
+                <a:effectLst/>
+                <a:latin typeface="Söhne"/>
+              </a:rPr>
+              <a:t>.</a:t>
+            </a:r>
+          </a:p>
+          <a:p>
+            <a:pPr algn="l">
+              <a:buFont typeface="Arial" panose="020B0604020202020204" pitchFamily="34" charset="0"/>
+              <a:buChar char="•"/>
+            </a:pPr>
+            <a:r>
+              <a:rPr lang="en-US" b="1" i="0" dirty="0">
+                <a:solidFill>
+                  <a:srgbClr val="374151"/>
+                </a:solidFill>
+                <a:effectLst/>
+                <a:latin typeface="Söhne"/>
+              </a:rPr>
+              <a:t>Feature Engineering</a:t>
+            </a:r>
+            <a:r>
+              <a:rPr lang="en-US" b="0" i="0" dirty="0">
+                <a:solidFill>
+                  <a:srgbClr val="374151"/>
+                </a:solidFill>
+                <a:effectLst/>
+                <a:latin typeface="Söhne"/>
+              </a:rPr>
+              <a:t>: Transformation of categorical variables and reshaping data for LSTM compatibility.</a:t>
+            </a:r>
+          </a:p>
+          <a:p>
+            <a:endParaRPr lang="en-AU" dirty="0"/>
+          </a:p>
+        </p:txBody>
+      </p:sp>
+      <p:sp>
+        <p:nvSpPr>
+          <p:cNvPr id="4" name="Text Placeholder 3">
+            <a:extLst>
+              <a:ext uri="{FF2B5EF4-FFF2-40B4-BE49-F238E27FC236}">
+                <a16:creationId xmlns:a16="http://schemas.microsoft.com/office/drawing/2014/main" id="{98994930-775E-8DDE-AD46-F73AB2210F9C}"/>
+              </a:ext>
+            </a:extLst>
+          </p:cNvPr>
+          <p:cNvSpPr>
+            <a:spLocks noGrp="1"/>
+          </p:cNvSpPr>
+          <p:nvPr>
+            <p:ph type="body" sz="half" idx="2"/>
+          </p:nvPr>
+        </p:nvSpPr>
+        <p:spPr/>
+        <p:txBody>
+          <a:bodyPr/>
+          <a:lstStyle/>
+          <a:p>
+            <a:endParaRPr lang="en-AU"/>
+          </a:p>
+        </p:txBody>
+      </p:sp>
+    </p:spTree>
+    <p:extLst>
+      <p:ext uri="{BB962C8B-B14F-4D97-AF65-F5344CB8AC3E}">
+        <p14:creationId xmlns:p14="http://schemas.microsoft.com/office/powerpoint/2010/main" val="2347289493"/>
+      </p:ext>
+    </p:extLst>
+  </p:cSld>
+  <p:clrMapOvr>
+    <a:masterClrMapping/>
+  </p:clrMapOvr>
+</p:sld>
+</file>
+
+<file path=ppt/slides/slide6.xml><?xml version="1.0" encoding="utf-8"?>
+<p:sld xmlns:a="http://schemas.openxmlformats.org/drawingml/2006/main" xmlns:r="http://schemas.openxmlformats.org/officeDocument/2006/relationships" xmlns:p="http://schemas.openxmlformats.org/presentationml/2006/main">
+  <p:cSld>
+    <p:spTree>
+      <p:nvGrpSpPr>
+        <p:cNvPr id="1" name=""/>
+        <p:cNvGrpSpPr/>
+        <p:nvPr/>
+      </p:nvGrpSpPr>
+      <p:grpSpPr>
+        <a:xfrm>
+          <a:off x="0" y="0"/>
+          <a:ext cx="0" cy="0"/>
+          <a:chOff x="0" y="0"/>
+          <a:chExt cx="0" cy="0"/>
+        </a:xfrm>
+      </p:grpSpPr>
+      <p:sp>
+        <p:nvSpPr>
+          <p:cNvPr id="2" name="Title 1">
+            <a:extLst>
+              <a:ext uri="{FF2B5EF4-FFF2-40B4-BE49-F238E27FC236}">
+                <a16:creationId xmlns:a16="http://schemas.microsoft.com/office/drawing/2014/main" id="{9977848A-BBBE-25F5-0757-0D1D708A9B64}"/>
+              </a:ext>
+            </a:extLst>
+          </p:cNvPr>
+          <p:cNvSpPr>
+            <a:spLocks noGrp="1"/>
+          </p:cNvSpPr>
+          <p:nvPr>
+            <p:ph type="title"/>
+          </p:nvPr>
+        </p:nvSpPr>
+        <p:spPr/>
+        <p:txBody>
+          <a:bodyPr/>
+          <a:lstStyle/>
+          <a:p>
+            <a:r>
+              <a:rPr lang="en-AU" b="1" i="0" dirty="0">
+                <a:effectLst/>
+                <a:latin typeface="Söhne"/>
+              </a:rPr>
+              <a:t>LSTM Model Architecture</a:t>
+            </a:r>
+            <a:br>
+              <a:rPr lang="en-AU" b="1" i="0" dirty="0">
+                <a:effectLst/>
+                <a:latin typeface="Söhne"/>
+              </a:rPr>
+            </a:br>
+            <a:endParaRPr lang="en-AU" dirty="0"/>
+          </a:p>
+        </p:txBody>
+      </p:sp>
+      <p:sp>
+        <p:nvSpPr>
+          <p:cNvPr id="3" name="Content Placeholder 2">
+            <a:extLst>
+              <a:ext uri="{FF2B5EF4-FFF2-40B4-BE49-F238E27FC236}">
+                <a16:creationId xmlns:a16="http://schemas.microsoft.com/office/drawing/2014/main" id="{A88BF325-8B5E-6D0F-9BB9-2EA070F6F24A}"/>
+              </a:ext>
+            </a:extLst>
+          </p:cNvPr>
+          <p:cNvSpPr>
+            <a:spLocks noGrp="1"/>
+          </p:cNvSpPr>
+          <p:nvPr>
+            <p:ph idx="1"/>
+          </p:nvPr>
+        </p:nvSpPr>
+        <p:spPr/>
+        <p:txBody>
+          <a:bodyPr/>
+          <a:lstStyle/>
+          <a:p>
+            <a:pPr algn="l">
+              <a:buFont typeface="Arial" panose="020B0604020202020204" pitchFamily="34" charset="0"/>
+              <a:buChar char="•"/>
+            </a:pPr>
+            <a:r>
+              <a:rPr lang="en-US" b="1" i="0" dirty="0">
+                <a:solidFill>
+                  <a:srgbClr val="374151"/>
+                </a:solidFill>
+                <a:effectLst/>
+                <a:latin typeface="Söhne"/>
+              </a:rPr>
+              <a:t>Model Design</a:t>
+            </a:r>
+            <a:r>
+              <a:rPr lang="en-US" b="0" i="0" dirty="0">
+                <a:solidFill>
+                  <a:srgbClr val="374151"/>
+                </a:solidFill>
+                <a:effectLst/>
+                <a:latin typeface="Söhne"/>
+              </a:rPr>
+              <a:t>: Sequential model with Bidirectional LSTM layers.</a:t>
+            </a:r>
+          </a:p>
+          <a:p>
+            <a:pPr algn="l">
+              <a:buFont typeface="Arial" panose="020B0604020202020204" pitchFamily="34" charset="0"/>
+              <a:buChar char="•"/>
+            </a:pPr>
+            <a:r>
+              <a:rPr lang="en-US" b="1" i="0" dirty="0">
+                <a:solidFill>
+                  <a:srgbClr val="374151"/>
+                </a:solidFill>
+                <a:effectLst/>
+                <a:latin typeface="Söhne"/>
+              </a:rPr>
+              <a:t>Regularization</a:t>
+            </a:r>
+            <a:r>
+              <a:rPr lang="en-US" b="0" i="0" dirty="0">
+                <a:solidFill>
+                  <a:srgbClr val="374151"/>
+                </a:solidFill>
+                <a:effectLst/>
+                <a:latin typeface="Söhne"/>
+              </a:rPr>
+              <a:t>: Dropout layers to prevent overfitting.</a:t>
+            </a:r>
+          </a:p>
+          <a:p>
+            <a:pPr algn="l">
+              <a:buFont typeface="Arial" panose="020B0604020202020204" pitchFamily="34" charset="0"/>
+              <a:buChar char="•"/>
+            </a:pPr>
+            <a:r>
+              <a:rPr lang="en-US" b="1" i="0" dirty="0">
+                <a:solidFill>
+                  <a:srgbClr val="374151"/>
+                </a:solidFill>
+                <a:effectLst/>
+                <a:latin typeface="Söhne"/>
+              </a:rPr>
+              <a:t>Optimization</a:t>
+            </a:r>
+            <a:r>
+              <a:rPr lang="en-US" b="0" i="0" dirty="0">
+                <a:solidFill>
+                  <a:srgbClr val="374151"/>
+                </a:solidFill>
+                <a:effectLst/>
+                <a:latin typeface="Söhne"/>
+              </a:rPr>
+              <a:t>: Adam optimizer for efficient learning.</a:t>
+            </a:r>
+          </a:p>
+          <a:p>
+            <a:endParaRPr lang="en-AU" dirty="0"/>
+          </a:p>
+        </p:txBody>
+      </p:sp>
+      <p:sp>
+        <p:nvSpPr>
+          <p:cNvPr id="4" name="Text Placeholder 3">
+            <a:extLst>
+              <a:ext uri="{FF2B5EF4-FFF2-40B4-BE49-F238E27FC236}">
+                <a16:creationId xmlns:a16="http://schemas.microsoft.com/office/drawing/2014/main" id="{98994930-775E-8DDE-AD46-F73AB2210F9C}"/>
+              </a:ext>
+            </a:extLst>
+          </p:cNvPr>
+          <p:cNvSpPr>
+            <a:spLocks noGrp="1"/>
+          </p:cNvSpPr>
+          <p:nvPr>
+            <p:ph type="body" sz="half" idx="2"/>
+          </p:nvPr>
+        </p:nvSpPr>
+        <p:spPr/>
+        <p:txBody>
+          <a:bodyPr/>
+          <a:lstStyle/>
+          <a:p>
+            <a:endParaRPr lang="en-AU"/>
+          </a:p>
+        </p:txBody>
+      </p:sp>
+    </p:spTree>
+    <p:extLst>
+      <p:ext uri="{BB962C8B-B14F-4D97-AF65-F5344CB8AC3E}">
+        <p14:creationId xmlns:p14="http://schemas.microsoft.com/office/powerpoint/2010/main" val="1306891120"/>
+      </p:ext>
+    </p:extLst>
+  </p:cSld>
+  <p:clrMapOvr>
+    <a:masterClrMapping/>
+  </p:clrMapOvr>
+</p:sld>
+</file>
+
+<file path=ppt/slides/slide7.xml><?xml version="1.0" encoding="utf-8"?>
+<p:sld xmlns:a="http://schemas.openxmlformats.org/drawingml/2006/main" xmlns:r="http://schemas.openxmlformats.org/officeDocument/2006/relationships" xmlns:p="http://schemas.openxmlformats.org/presentationml/2006/main">
+  <p:cSld>
+    <p:spTree>
+      <p:nvGrpSpPr>
+        <p:cNvPr id="1" name=""/>
+        <p:cNvGrpSpPr/>
+        <p:nvPr/>
+      </p:nvGrpSpPr>
+      <p:grpSpPr>
+        <a:xfrm>
+          <a:off x="0" y="0"/>
+          <a:ext cx="0" cy="0"/>
+          <a:chOff x="0" y="0"/>
+          <a:chExt cx="0" cy="0"/>
+        </a:xfrm>
+      </p:grpSpPr>
+      <p:sp>
+        <p:nvSpPr>
+          <p:cNvPr id="2" name="Title 1">
+            <a:extLst>
+              <a:ext uri="{FF2B5EF4-FFF2-40B4-BE49-F238E27FC236}">
+                <a16:creationId xmlns:a16="http://schemas.microsoft.com/office/drawing/2014/main" id="{9977848A-BBBE-25F5-0757-0D1D708A9B64}"/>
+              </a:ext>
+            </a:extLst>
+          </p:cNvPr>
+          <p:cNvSpPr>
+            <a:spLocks noGrp="1"/>
+          </p:cNvSpPr>
+          <p:nvPr>
+            <p:ph type="title"/>
+          </p:nvPr>
+        </p:nvSpPr>
+        <p:spPr/>
+        <p:txBody>
+          <a:bodyPr/>
+          <a:lstStyle/>
+          <a:p>
+            <a:r>
+              <a:rPr lang="en-AU" b="1" i="0" dirty="0">
+                <a:effectLst/>
+                <a:latin typeface="Söhne"/>
+              </a:rPr>
+              <a:t>Model Training and Validation</a:t>
+            </a:r>
+            <a:br>
+              <a:rPr lang="en-AU" b="1" i="0" dirty="0">
+                <a:effectLst/>
+                <a:latin typeface="Söhne"/>
+              </a:rPr>
+            </a:br>
+            <a:endParaRPr lang="en-AU" dirty="0"/>
+          </a:p>
+        </p:txBody>
+      </p:sp>
+      <p:sp>
+        <p:nvSpPr>
+          <p:cNvPr id="3" name="Content Placeholder 2">
+            <a:extLst>
+              <a:ext uri="{FF2B5EF4-FFF2-40B4-BE49-F238E27FC236}">
+                <a16:creationId xmlns:a16="http://schemas.microsoft.com/office/drawing/2014/main" id="{A88BF325-8B5E-6D0F-9BB9-2EA070F6F24A}"/>
+              </a:ext>
+            </a:extLst>
+          </p:cNvPr>
+          <p:cNvSpPr>
+            <a:spLocks noGrp="1"/>
+          </p:cNvSpPr>
+          <p:nvPr>
+            <p:ph idx="1"/>
+          </p:nvPr>
+        </p:nvSpPr>
+        <p:spPr/>
+        <p:txBody>
+          <a:bodyPr/>
+          <a:lstStyle/>
+          <a:p>
+            <a:pPr algn="l">
+              <a:buFont typeface="Arial" panose="020B0604020202020204" pitchFamily="34" charset="0"/>
+              <a:buChar char="•"/>
+            </a:pPr>
+            <a:r>
+              <a:rPr lang="en-US" b="1" i="0" dirty="0">
+                <a:solidFill>
+                  <a:srgbClr val="374151"/>
+                </a:solidFill>
+                <a:effectLst/>
+                <a:latin typeface="Söhne"/>
+              </a:rPr>
+              <a:t>Early Stopping &amp; Checkpointing</a:t>
+            </a:r>
+            <a:r>
+              <a:rPr lang="en-US" b="0" i="0" dirty="0">
+                <a:solidFill>
+                  <a:srgbClr val="374151"/>
+                </a:solidFill>
+                <a:effectLst/>
+                <a:latin typeface="Söhne"/>
+              </a:rPr>
+              <a:t>: Strategies to prevent overfitting and save the best-performing model.</a:t>
+            </a:r>
+          </a:p>
+          <a:p>
+            <a:pPr algn="l">
+              <a:buFont typeface="Arial" panose="020B0604020202020204" pitchFamily="34" charset="0"/>
+              <a:buChar char="•"/>
+            </a:pPr>
+            <a:r>
+              <a:rPr lang="en-US" b="1" i="0" dirty="0">
+                <a:solidFill>
+                  <a:srgbClr val="374151"/>
+                </a:solidFill>
+                <a:effectLst/>
+                <a:latin typeface="Söhne"/>
+              </a:rPr>
+              <a:t>Training Process</a:t>
+            </a:r>
+            <a:r>
+              <a:rPr lang="en-US" b="0" i="0" dirty="0">
+                <a:solidFill>
+                  <a:srgbClr val="374151"/>
+                </a:solidFill>
+                <a:effectLst/>
+                <a:latin typeface="Söhne"/>
+              </a:rPr>
+              <a:t>: Observations on model's accuracy and loss over epochs.</a:t>
+            </a:r>
+          </a:p>
+          <a:p>
+            <a:pPr algn="l">
+              <a:buFont typeface="Arial" panose="020B0604020202020204" pitchFamily="34" charset="0"/>
+              <a:buChar char="•"/>
+            </a:pPr>
+            <a:r>
+              <a:rPr lang="en-US" b="1" i="0" dirty="0">
+                <a:solidFill>
+                  <a:srgbClr val="374151"/>
+                </a:solidFill>
+                <a:effectLst/>
+                <a:latin typeface="Söhne"/>
+              </a:rPr>
+              <a:t>Validation Approach</a:t>
+            </a:r>
+            <a:r>
+              <a:rPr lang="en-US" b="0" i="0" dirty="0">
+                <a:solidFill>
+                  <a:srgbClr val="374151"/>
+                </a:solidFill>
+                <a:effectLst/>
+                <a:latin typeface="Söhne"/>
+              </a:rPr>
+              <a:t>: Using a hold-out sampled dataset for unbiased evaluation.</a:t>
+            </a:r>
+          </a:p>
+          <a:p>
+            <a:endParaRPr lang="en-AU" dirty="0"/>
+          </a:p>
+        </p:txBody>
+      </p:sp>
+      <p:sp>
+        <p:nvSpPr>
+          <p:cNvPr id="4" name="Text Placeholder 3">
+            <a:extLst>
+              <a:ext uri="{FF2B5EF4-FFF2-40B4-BE49-F238E27FC236}">
+                <a16:creationId xmlns:a16="http://schemas.microsoft.com/office/drawing/2014/main" id="{98994930-775E-8DDE-AD46-F73AB2210F9C}"/>
+              </a:ext>
+            </a:extLst>
+          </p:cNvPr>
+          <p:cNvSpPr>
+            <a:spLocks noGrp="1"/>
+          </p:cNvSpPr>
+          <p:nvPr>
+            <p:ph type="body" sz="half" idx="2"/>
+          </p:nvPr>
+        </p:nvSpPr>
+        <p:spPr/>
+        <p:txBody>
+          <a:bodyPr/>
+          <a:lstStyle/>
+          <a:p>
+            <a:endParaRPr lang="en-AU"/>
+          </a:p>
+        </p:txBody>
+      </p:sp>
+    </p:spTree>
+    <p:extLst>
+      <p:ext uri="{BB962C8B-B14F-4D97-AF65-F5344CB8AC3E}">
+        <p14:creationId xmlns:p14="http://schemas.microsoft.com/office/powerpoint/2010/main" val="1510104819"/>
+      </p:ext>
+    </p:extLst>
+  </p:cSld>
+  <p:clrMapOvr>
+    <a:masterClrMapping/>
+  </p:clrMapOvr>
+</p:sld>
+</file>
+
+<file path=ppt/slides/slide8.xml><?xml version="1.0" encoding="utf-8"?>
+<p:sld xmlns:a="http://schemas.openxmlformats.org/drawingml/2006/main" xmlns:r="http://schemas.openxmlformats.org/officeDocument/2006/relationships" xmlns:p="http://schemas.openxmlformats.org/presentationml/2006/main">
+  <p:cSld>
+    <p:spTree>
+      <p:nvGrpSpPr>
+        <p:cNvPr id="1" name=""/>
+        <p:cNvGrpSpPr/>
+        <p:nvPr/>
+      </p:nvGrpSpPr>
+      <p:grpSpPr>
+        <a:xfrm>
+          <a:off x="0" y="0"/>
+          <a:ext cx="0" cy="0"/>
+          <a:chOff x="0" y="0"/>
+          <a:chExt cx="0" cy="0"/>
+        </a:xfrm>
+      </p:grpSpPr>
+      <p:sp>
+        <p:nvSpPr>
+          <p:cNvPr id="2" name="Title 1">
+            <a:extLst>
+              <a:ext uri="{FF2B5EF4-FFF2-40B4-BE49-F238E27FC236}">
+                <a16:creationId xmlns:a16="http://schemas.microsoft.com/office/drawing/2014/main" id="{9977848A-BBBE-25F5-0757-0D1D708A9B64}"/>
+              </a:ext>
+            </a:extLst>
+          </p:cNvPr>
+          <p:cNvSpPr>
+            <a:spLocks noGrp="1"/>
+          </p:cNvSpPr>
+          <p:nvPr>
+            <p:ph type="title"/>
+          </p:nvPr>
+        </p:nvSpPr>
+        <p:spPr/>
+        <p:txBody>
+          <a:bodyPr/>
+          <a:lstStyle/>
+          <a:p>
+            <a:r>
+              <a:rPr lang="en-AU" b="1" i="0" dirty="0">
+                <a:effectLst/>
+                <a:latin typeface="Söhne"/>
+              </a:rPr>
+              <a:t>Model Evaluation</a:t>
+            </a:r>
+            <a:br>
+              <a:rPr lang="en-AU" b="1" i="0" dirty="0">
+                <a:effectLst/>
+                <a:latin typeface="Söhne"/>
+              </a:rPr>
+            </a:br>
+            <a:endParaRPr lang="en-AU" dirty="0"/>
+          </a:p>
+        </p:txBody>
+      </p:sp>
+      <p:sp>
+        <p:nvSpPr>
+          <p:cNvPr id="3" name="Content Placeholder 2">
+            <a:extLst>
+              <a:ext uri="{FF2B5EF4-FFF2-40B4-BE49-F238E27FC236}">
+                <a16:creationId xmlns:a16="http://schemas.microsoft.com/office/drawing/2014/main" id="{A88BF325-8B5E-6D0F-9BB9-2EA070F6F24A}"/>
+              </a:ext>
+            </a:extLst>
+          </p:cNvPr>
+          <p:cNvSpPr>
+            <a:spLocks noGrp="1"/>
+          </p:cNvSpPr>
+          <p:nvPr>
+            <p:ph idx="1"/>
+          </p:nvPr>
+        </p:nvSpPr>
+        <p:spPr/>
+        <p:txBody>
+          <a:bodyPr/>
+          <a:lstStyle/>
+          <a:p>
+            <a:pPr algn="l">
+              <a:buFont typeface="Arial" panose="020B0604020202020204" pitchFamily="34" charset="0"/>
+              <a:buChar char="•"/>
+            </a:pPr>
+            <a:r>
+              <a:rPr lang="en-US" b="1" i="0" dirty="0">
+                <a:solidFill>
+                  <a:srgbClr val="374151"/>
+                </a:solidFill>
+                <a:effectLst/>
+                <a:latin typeface="Söhne"/>
+              </a:rPr>
+              <a:t>Performance Metrics</a:t>
+            </a:r>
+            <a:r>
+              <a:rPr lang="en-US" b="0" i="0" dirty="0">
+                <a:solidFill>
+                  <a:srgbClr val="374151"/>
+                </a:solidFill>
+                <a:effectLst/>
+                <a:latin typeface="Söhne"/>
+              </a:rPr>
+              <a:t>: Accuracy, R-squared, confusion matrix, precision-recall curve.</a:t>
+            </a:r>
+          </a:p>
+          <a:p>
+            <a:pPr algn="l">
+              <a:buFont typeface="Arial" panose="020B0604020202020204" pitchFamily="34" charset="0"/>
+              <a:buChar char="•"/>
+            </a:pPr>
+            <a:r>
+              <a:rPr lang="en-US" b="1" i="0" dirty="0">
+                <a:solidFill>
+                  <a:srgbClr val="374151"/>
+                </a:solidFill>
+                <a:effectLst/>
+                <a:latin typeface="Söhne"/>
+              </a:rPr>
+              <a:t>Insights</a:t>
+            </a:r>
+            <a:r>
+              <a:rPr lang="en-US" b="0" i="0" dirty="0">
+                <a:solidFill>
+                  <a:srgbClr val="374151"/>
+                </a:solidFill>
+                <a:effectLst/>
+                <a:latin typeface="Söhne"/>
+              </a:rPr>
+              <a:t>: Detailed analysis of model’s predictive power and areas of improvement.</a:t>
+            </a:r>
+          </a:p>
+          <a:p>
+            <a:pPr algn="l">
+              <a:buFont typeface="Arial" panose="020B0604020202020204" pitchFamily="34" charset="0"/>
+              <a:buChar char="•"/>
+            </a:pPr>
+            <a:r>
+              <a:rPr lang="en-US" b="1" i="0" dirty="0">
+                <a:solidFill>
+                  <a:srgbClr val="374151"/>
+                </a:solidFill>
+                <a:effectLst/>
+                <a:latin typeface="Söhne"/>
+              </a:rPr>
+              <a:t>Visualizations</a:t>
+            </a:r>
+            <a:r>
+              <a:rPr lang="en-US" b="0" i="0" dirty="0">
+                <a:solidFill>
+                  <a:srgbClr val="374151"/>
+                </a:solidFill>
+                <a:effectLst/>
+                <a:latin typeface="Söhne"/>
+              </a:rPr>
+              <a:t>: Graphical representation of model predictions vs actual data.</a:t>
+            </a:r>
+          </a:p>
+          <a:p>
+            <a:endParaRPr lang="en-AU" dirty="0"/>
+          </a:p>
+        </p:txBody>
+      </p:sp>
+      <p:sp>
+        <p:nvSpPr>
+          <p:cNvPr id="4" name="Text Placeholder 3">
+            <a:extLst>
+              <a:ext uri="{FF2B5EF4-FFF2-40B4-BE49-F238E27FC236}">
+                <a16:creationId xmlns:a16="http://schemas.microsoft.com/office/drawing/2014/main" id="{98994930-775E-8DDE-AD46-F73AB2210F9C}"/>
+              </a:ext>
+            </a:extLst>
+          </p:cNvPr>
+          <p:cNvSpPr>
+            <a:spLocks noGrp="1"/>
+          </p:cNvSpPr>
+          <p:nvPr>
+            <p:ph type="body" sz="half" idx="2"/>
+          </p:nvPr>
+        </p:nvSpPr>
+        <p:spPr/>
+        <p:txBody>
+          <a:bodyPr/>
+          <a:lstStyle/>
+          <a:p>
+            <a:endParaRPr lang="en-AU"/>
+          </a:p>
+        </p:txBody>
+      </p:sp>
+    </p:spTree>
+    <p:extLst>
+      <p:ext uri="{BB962C8B-B14F-4D97-AF65-F5344CB8AC3E}">
+        <p14:creationId xmlns:p14="http://schemas.microsoft.com/office/powerpoint/2010/main" val="3116369230"/>
+      </p:ext>
+    </p:extLst>
+  </p:cSld>
+  <p:clrMapOvr>
+    <a:masterClrMapping/>
+  </p:clrMapOvr>
+</p:sld>
+</file>
+
+<file path=ppt/slides/slide9.xml><?xml version="1.0" encoding="utf-8"?>
+<p:sld xmlns:a="http://schemas.openxmlformats.org/drawingml/2006/main" xmlns:r="http://schemas.openxmlformats.org/officeDocument/2006/relationships" xmlns:p="http://schemas.openxmlformats.org/presentationml/2006/main">
+  <p:cSld>
+    <p:spTree>
+      <p:nvGrpSpPr>
+        <p:cNvPr id="1" name=""/>
+        <p:cNvGrpSpPr/>
+        <p:nvPr/>
+      </p:nvGrpSpPr>
+      <p:grpSpPr>
+        <a:xfrm>
+          <a:off x="0" y="0"/>
+          <a:ext cx="0" cy="0"/>
+          <a:chOff x="0" y="0"/>
+          <a:chExt cx="0" cy="0"/>
+        </a:xfrm>
+      </p:grpSpPr>
+      <p:sp>
+        <p:nvSpPr>
+          <p:cNvPr id="2" name="Title 1">
+            <a:extLst>
+              <a:ext uri="{FF2B5EF4-FFF2-40B4-BE49-F238E27FC236}">
+                <a16:creationId xmlns:a16="http://schemas.microsoft.com/office/drawing/2014/main" id="{9977848A-BBBE-25F5-0757-0D1D708A9B64}"/>
+              </a:ext>
+            </a:extLst>
+          </p:cNvPr>
+          <p:cNvSpPr>
+            <a:spLocks noGrp="1"/>
+          </p:cNvSpPr>
+          <p:nvPr>
+            <p:ph type="title"/>
+          </p:nvPr>
+        </p:nvSpPr>
+        <p:spPr/>
+        <p:txBody>
+          <a:bodyPr/>
+          <a:lstStyle/>
+          <a:p>
+            <a:r>
+              <a:rPr lang="en-AU" b="1" i="0" dirty="0">
+                <a:effectLst/>
+                <a:latin typeface="Söhne"/>
+              </a:rPr>
+              <a:t>Project Outcomes</a:t>
+            </a:r>
+            <a:br>
+              <a:rPr lang="en-AU" b="1" i="0" dirty="0">
+                <a:effectLst/>
+                <a:latin typeface="Söhne"/>
+              </a:rPr>
+            </a:br>
+            <a:endParaRPr lang="en-AU" dirty="0"/>
+          </a:p>
+        </p:txBody>
+      </p:sp>
+      <p:sp>
+        <p:nvSpPr>
+          <p:cNvPr id="3" name="Content Placeholder 2">
+            <a:extLst>
+              <a:ext uri="{FF2B5EF4-FFF2-40B4-BE49-F238E27FC236}">
+                <a16:creationId xmlns:a16="http://schemas.microsoft.com/office/drawing/2014/main" id="{A88BF325-8B5E-6D0F-9BB9-2EA070F6F24A}"/>
+              </a:ext>
+            </a:extLst>
+          </p:cNvPr>
+          <p:cNvSpPr>
+            <a:spLocks noGrp="1"/>
+          </p:cNvSpPr>
+          <p:nvPr>
+            <p:ph idx="1"/>
+          </p:nvPr>
+        </p:nvSpPr>
+        <p:spPr/>
+        <p:txBody>
+          <a:bodyPr/>
+          <a:lstStyle/>
+          <a:p>
+            <a:pPr algn="l">
+              <a:buFont typeface="Arial" panose="020B0604020202020204" pitchFamily="34" charset="0"/>
+              <a:buChar char="•"/>
+            </a:pPr>
+            <a:r>
+              <a:rPr lang="en-US" b="1" i="0" dirty="0">
+                <a:solidFill>
+                  <a:srgbClr val="374151"/>
+                </a:solidFill>
+                <a:effectLst/>
+                <a:latin typeface="Söhne"/>
+              </a:rPr>
+              <a:t>Achievements</a:t>
+            </a:r>
+            <a:r>
+              <a:rPr lang="en-US" b="0" i="0" dirty="0">
+                <a:solidFill>
+                  <a:srgbClr val="374151"/>
+                </a:solidFill>
+                <a:effectLst/>
+                <a:latin typeface="Söhne"/>
+              </a:rPr>
+              <a:t>: High predictive accuracy in material wear stages.</a:t>
+            </a:r>
+          </a:p>
+          <a:p>
+            <a:pPr algn="l">
+              <a:buFont typeface="Arial" panose="020B0604020202020204" pitchFamily="34" charset="0"/>
+              <a:buChar char="•"/>
+            </a:pPr>
+            <a:r>
+              <a:rPr lang="en-US" b="1" i="0" dirty="0">
+                <a:solidFill>
+                  <a:srgbClr val="374151"/>
+                </a:solidFill>
+                <a:effectLst/>
+                <a:latin typeface="Söhne"/>
+              </a:rPr>
+              <a:t>Project Impact</a:t>
+            </a:r>
+            <a:r>
+              <a:rPr lang="en-US" b="0" i="0" dirty="0">
+                <a:solidFill>
+                  <a:srgbClr val="374151"/>
+                </a:solidFill>
+                <a:effectLst/>
+                <a:latin typeface="Söhne"/>
+              </a:rPr>
+              <a:t>: Enhanced ability to strategize maintenance in industrial settings.</a:t>
+            </a:r>
+          </a:p>
+          <a:p>
+            <a:pPr algn="l">
+              <a:buFont typeface="Arial" panose="020B0604020202020204" pitchFamily="34" charset="0"/>
+              <a:buChar char="•"/>
+            </a:pPr>
+            <a:r>
+              <a:rPr lang="en-US" b="1" i="0" dirty="0">
+                <a:solidFill>
+                  <a:srgbClr val="374151"/>
+                </a:solidFill>
+                <a:effectLst/>
+                <a:latin typeface="Söhne"/>
+              </a:rPr>
+              <a:t>Future Scope</a:t>
+            </a:r>
+            <a:r>
+              <a:rPr lang="en-US" b="0" i="0" dirty="0">
+                <a:solidFill>
+                  <a:srgbClr val="374151"/>
+                </a:solidFill>
+                <a:effectLst/>
+                <a:latin typeface="Söhne"/>
+              </a:rPr>
+              <a:t>: Potential adaptation for real-time monitoring and predictive maintenance.</a:t>
+            </a:r>
+          </a:p>
+          <a:p>
+            <a:endParaRPr lang="en-AU" dirty="0"/>
+          </a:p>
+        </p:txBody>
+      </p:sp>
+      <p:sp>
+        <p:nvSpPr>
+          <p:cNvPr id="4" name="Text Placeholder 3">
+            <a:extLst>
+              <a:ext uri="{FF2B5EF4-FFF2-40B4-BE49-F238E27FC236}">
+                <a16:creationId xmlns:a16="http://schemas.microsoft.com/office/drawing/2014/main" id="{98994930-775E-8DDE-AD46-F73AB2210F9C}"/>
+              </a:ext>
+            </a:extLst>
+          </p:cNvPr>
+          <p:cNvSpPr>
+            <a:spLocks noGrp="1"/>
+          </p:cNvSpPr>
+          <p:nvPr>
+            <p:ph type="body" sz="half" idx="2"/>
+          </p:nvPr>
+        </p:nvSpPr>
+        <p:spPr/>
+        <p:txBody>
+          <a:bodyPr/>
+          <a:lstStyle/>
+          <a:p>
+            <a:endParaRPr lang="en-AU"/>
+          </a:p>
+        </p:txBody>
+      </p:sp>
+    </p:spTree>
+    <p:extLst>
+      <p:ext uri="{BB962C8B-B14F-4D97-AF65-F5344CB8AC3E}">
+        <p14:creationId xmlns:p14="http://schemas.microsoft.com/office/powerpoint/2010/main" val="2876427298"/>
+      </p:ext>
+    </p:extLst>
+  </p:cSld>
+  <p:clrMapOvr>
+    <a:masterClrMapping/>
   </p:clrMapOvr>
 </p:sld>
 </file>
